--- a/Presentation/3D Printing.pptx
+++ b/Presentation/3D Printing.pptx
@@ -7,17 +7,16 @@
   <p:sldIdLst>
     <p:sldId id="256" r:id="rId2"/>
     <p:sldId id="257" r:id="rId3"/>
-    <p:sldId id="259" r:id="rId4"/>
-    <p:sldId id="258" r:id="rId5"/>
-    <p:sldId id="260" r:id="rId6"/>
-    <p:sldId id="261" r:id="rId7"/>
-    <p:sldId id="262" r:id="rId8"/>
-    <p:sldId id="263" r:id="rId9"/>
-    <p:sldId id="264" r:id="rId10"/>
-    <p:sldId id="265" r:id="rId11"/>
-    <p:sldId id="266" r:id="rId12"/>
-    <p:sldId id="267" r:id="rId13"/>
-    <p:sldId id="268" r:id="rId14"/>
+    <p:sldId id="258" r:id="rId4"/>
+    <p:sldId id="260" r:id="rId5"/>
+    <p:sldId id="261" r:id="rId6"/>
+    <p:sldId id="262" r:id="rId7"/>
+    <p:sldId id="263" r:id="rId8"/>
+    <p:sldId id="264" r:id="rId9"/>
+    <p:sldId id="265" r:id="rId10"/>
+    <p:sldId id="266" r:id="rId11"/>
+    <p:sldId id="267" r:id="rId12"/>
+    <p:sldId id="268" r:id="rId13"/>
   </p:sldIdLst>
   <p:sldSz cx="12192000" cy="6858000"/>
   <p:notesSz cx="6858000" cy="9144000"/>
@@ -1434,6 +1433,13 @@
         </dgm:presLayoutVars>
       </dgm:prSet>
       <dgm:spPr/>
+      <dgm:t>
+        <a:bodyPr/>
+        <a:lstStyle/>
+        <a:p>
+          <a:endParaRPr lang="en-US"/>
+        </a:p>
+      </dgm:t>
     </dgm:pt>
     <dgm:pt modelId="{B4597797-3F16-4DDF-B454-C0757F47BAF7}" type="pres">
       <dgm:prSet presAssocID="{26682257-041F-498C-853B-3B4ABE55C3C6}" presName="node" presStyleLbl="node1" presStyleIdx="0" presStyleCnt="5">
@@ -1457,10 +1463,24 @@
     <dgm:pt modelId="{0F88B4DC-0202-4424-B725-0AD43943C497}" type="pres">
       <dgm:prSet presAssocID="{701DB601-5FF1-4BEC-A3CF-DDB98849AA29}" presName="sibTrans" presStyleLbl="sibTrans2D1" presStyleIdx="0" presStyleCnt="4"/>
       <dgm:spPr/>
+      <dgm:t>
+        <a:bodyPr/>
+        <a:lstStyle/>
+        <a:p>
+          <a:endParaRPr lang="en-US"/>
+        </a:p>
+      </dgm:t>
     </dgm:pt>
     <dgm:pt modelId="{9D73CDFF-6357-4D0C-8884-6CB9C1748772}" type="pres">
       <dgm:prSet presAssocID="{701DB601-5FF1-4BEC-A3CF-DDB98849AA29}" presName="connectorText" presStyleLbl="sibTrans2D1" presStyleIdx="0" presStyleCnt="4"/>
       <dgm:spPr/>
+      <dgm:t>
+        <a:bodyPr/>
+        <a:lstStyle/>
+        <a:p>
+          <a:endParaRPr lang="en-US"/>
+        </a:p>
+      </dgm:t>
     </dgm:pt>
     <dgm:pt modelId="{5D13DD74-529F-4C3E-B71E-73BD01775F46}" type="pres">
       <dgm:prSet presAssocID="{07B8B3ED-63AF-41B2-A9BE-484CE17253D5}" presName="node" presStyleLbl="node1" presStyleIdx="1" presStyleCnt="5">
@@ -1473,14 +1493,35 @@
           <a:avLst/>
         </a:prstGeom>
       </dgm:spPr>
+      <dgm:t>
+        <a:bodyPr/>
+        <a:lstStyle/>
+        <a:p>
+          <a:endParaRPr lang="en-US"/>
+        </a:p>
+      </dgm:t>
     </dgm:pt>
     <dgm:pt modelId="{3B1299EF-84BB-429B-B3F2-C48EC8ED1D48}" type="pres">
       <dgm:prSet presAssocID="{513408F9-5D73-4BD2-937C-FBC931D0A858}" presName="sibTrans" presStyleLbl="sibTrans2D1" presStyleIdx="1" presStyleCnt="4"/>
       <dgm:spPr/>
+      <dgm:t>
+        <a:bodyPr/>
+        <a:lstStyle/>
+        <a:p>
+          <a:endParaRPr lang="en-US"/>
+        </a:p>
+      </dgm:t>
     </dgm:pt>
     <dgm:pt modelId="{31171D05-A1CE-49FB-B9D0-C6333DB94FBC}" type="pres">
       <dgm:prSet presAssocID="{513408F9-5D73-4BD2-937C-FBC931D0A858}" presName="connectorText" presStyleLbl="sibTrans2D1" presStyleIdx="1" presStyleCnt="4"/>
       <dgm:spPr/>
+      <dgm:t>
+        <a:bodyPr/>
+        <a:lstStyle/>
+        <a:p>
+          <a:endParaRPr lang="en-US"/>
+        </a:p>
+      </dgm:t>
     </dgm:pt>
     <dgm:pt modelId="{0DF9AD66-CB5F-42B7-B31E-448D195ECEC3}" type="pres">
       <dgm:prSet presAssocID="{19A618F5-9B39-44FC-9CBA-156A478564AE}" presName="node" presStyleLbl="node1" presStyleIdx="2" presStyleCnt="5">
@@ -1493,14 +1534,35 @@
           <a:avLst/>
         </a:prstGeom>
       </dgm:spPr>
+      <dgm:t>
+        <a:bodyPr/>
+        <a:lstStyle/>
+        <a:p>
+          <a:endParaRPr lang="en-US"/>
+        </a:p>
+      </dgm:t>
     </dgm:pt>
     <dgm:pt modelId="{42E60BFE-D83D-44C2-A40D-BBAD2D140681}" type="pres">
       <dgm:prSet presAssocID="{D39D4A6E-4CB7-4465-AC75-77DF121180DE}" presName="sibTrans" presStyleLbl="sibTrans2D1" presStyleIdx="2" presStyleCnt="4"/>
       <dgm:spPr/>
+      <dgm:t>
+        <a:bodyPr/>
+        <a:lstStyle/>
+        <a:p>
+          <a:endParaRPr lang="en-US"/>
+        </a:p>
+      </dgm:t>
     </dgm:pt>
     <dgm:pt modelId="{25F284F0-ED49-44C9-B498-68FF6F2A8CC6}" type="pres">
       <dgm:prSet presAssocID="{D39D4A6E-4CB7-4465-AC75-77DF121180DE}" presName="connectorText" presStyleLbl="sibTrans2D1" presStyleIdx="2" presStyleCnt="4"/>
       <dgm:spPr/>
+      <dgm:t>
+        <a:bodyPr/>
+        <a:lstStyle/>
+        <a:p>
+          <a:endParaRPr lang="en-US"/>
+        </a:p>
+      </dgm:t>
     </dgm:pt>
     <dgm:pt modelId="{AFACF62E-B10B-418B-8C3B-89A6C5A119F4}" type="pres">
       <dgm:prSet presAssocID="{210D61DF-1AC4-4AFA-965B-E977C5E639E3}" presName="node" presStyleLbl="node1" presStyleIdx="3" presStyleCnt="5">
@@ -1513,14 +1575,35 @@
           <a:avLst/>
         </a:prstGeom>
       </dgm:spPr>
+      <dgm:t>
+        <a:bodyPr/>
+        <a:lstStyle/>
+        <a:p>
+          <a:endParaRPr lang="en-US"/>
+        </a:p>
+      </dgm:t>
     </dgm:pt>
     <dgm:pt modelId="{59AE002B-F885-4893-A90E-3A097FBE177C}" type="pres">
       <dgm:prSet presAssocID="{77CFC306-D97A-4819-91F9-390CCD29C20B}" presName="sibTrans" presStyleLbl="sibTrans2D1" presStyleIdx="3" presStyleCnt="4"/>
       <dgm:spPr/>
+      <dgm:t>
+        <a:bodyPr/>
+        <a:lstStyle/>
+        <a:p>
+          <a:endParaRPr lang="en-US"/>
+        </a:p>
+      </dgm:t>
     </dgm:pt>
     <dgm:pt modelId="{A50B9368-C345-46F3-8006-3048066F2871}" type="pres">
       <dgm:prSet presAssocID="{77CFC306-D97A-4819-91F9-390CCD29C20B}" presName="connectorText" presStyleLbl="sibTrans2D1" presStyleIdx="3" presStyleCnt="4"/>
       <dgm:spPr/>
+      <dgm:t>
+        <a:bodyPr/>
+        <a:lstStyle/>
+        <a:p>
+          <a:endParaRPr lang="en-US"/>
+        </a:p>
+      </dgm:t>
     </dgm:pt>
     <dgm:pt modelId="{19439814-EC85-4BF5-B739-E12D445ADA48}" type="pres">
       <dgm:prSet presAssocID="{CBF90B9E-4393-4ECB-A1D3-63FC5C1B4455}" presName="node" presStyleLbl="node1" presStyleIdx="4" presStyleCnt="5">
@@ -1533,46 +1616,53 @@
           <a:avLst/>
         </a:prstGeom>
       </dgm:spPr>
+      <dgm:t>
+        <a:bodyPr/>
+        <a:lstStyle/>
+        <a:p>
+          <a:endParaRPr lang="en-US"/>
+        </a:p>
+      </dgm:t>
     </dgm:pt>
   </dgm:ptLst>
   <dgm:cxnLst>
+    <dgm:cxn modelId="{3A3326B1-A8F8-4081-AC5B-4151A8FE91CD}" type="presOf" srcId="{D39D4A6E-4CB7-4465-AC75-77DF121180DE}" destId="{25F284F0-ED49-44C9-B498-68FF6F2A8CC6}" srcOrd="1" destOrd="0" presId="urn:microsoft.com/office/officeart/2005/8/layout/process1"/>
+    <dgm:cxn modelId="{7EAF4F42-DF6A-4BF5-B588-814994B25AC2}" srcId="{26682257-041F-498C-853B-3B4ABE55C3C6}" destId="{FDA34FD3-C4CB-4A81-A0DC-79197A397B90}" srcOrd="3" destOrd="0" parTransId="{4EE92A1C-B098-42DC-BEF5-1B091B5D5E6E}" sibTransId="{88CB1D5D-2E2F-4A5F-80C6-14EC4D3DA039}"/>
+    <dgm:cxn modelId="{4DB068C6-6AA0-4287-9FF7-7D2434344082}" srcId="{26682257-041F-498C-853B-3B4ABE55C3C6}" destId="{B9E4D725-300D-4993-BD39-0FB5C3C9DA36}" srcOrd="1" destOrd="0" parTransId="{3A06F7E6-9C53-45C8-A1C3-E683D01D7482}" sibTransId="{DB8DDAC5-2FC8-48A5-AF5E-DC75E52EB5D6}"/>
+    <dgm:cxn modelId="{C8FF7815-6D07-4434-9F26-B38F29CC6816}" srcId="{26682257-041F-498C-853B-3B4ABE55C3C6}" destId="{C03E0A59-DE2D-4D76-862E-BBD300AB54CF}" srcOrd="5" destOrd="0" parTransId="{78B6EC2C-38F1-4176-A806-1ECEB08A53D6}" sibTransId="{C681AEF0-6459-4168-9BA3-F72023393CE1}"/>
+    <dgm:cxn modelId="{67472603-0016-4ACE-9483-E09EA39D4887}" type="presOf" srcId="{719CCEE1-96D0-4247-9728-EA9E07457C6C}" destId="{B4597797-3F16-4DDF-B454-C0757F47BAF7}" srcOrd="0" destOrd="3" presId="urn:microsoft.com/office/officeart/2005/8/layout/process1"/>
+    <dgm:cxn modelId="{5F1C93AC-8DB3-4731-A82C-C9C6A816F4D8}" type="presOf" srcId="{19A618F5-9B39-44FC-9CBA-156A478564AE}" destId="{0DF9AD66-CB5F-42B7-B31E-448D195ECEC3}" srcOrd="0" destOrd="0" presId="urn:microsoft.com/office/officeart/2005/8/layout/process1"/>
+    <dgm:cxn modelId="{91AD54B9-50A3-4FB2-8518-B9384D3B1319}" type="presOf" srcId="{77CFC306-D97A-4819-91F9-390CCD29C20B}" destId="{59AE002B-F885-4893-A90E-3A097FBE177C}" srcOrd="0" destOrd="0" presId="urn:microsoft.com/office/officeart/2005/8/layout/process1"/>
+    <dgm:cxn modelId="{14636718-70AF-4ACE-9880-946743A67B2C}" type="presOf" srcId="{FDA34FD3-C4CB-4A81-A0DC-79197A397B90}" destId="{B4597797-3F16-4DDF-B454-C0757F47BAF7}" srcOrd="0" destOrd="4" presId="urn:microsoft.com/office/officeart/2005/8/layout/process1"/>
+    <dgm:cxn modelId="{FE4A9FED-5236-44E6-993D-6BE7D29F4BA7}" type="presOf" srcId="{701DB601-5FF1-4BEC-A3CF-DDB98849AA29}" destId="{0F88B4DC-0202-4424-B725-0AD43943C497}" srcOrd="0" destOrd="0" presId="urn:microsoft.com/office/officeart/2005/8/layout/process1"/>
     <dgm:cxn modelId="{FBC148B1-7324-4B27-9D6D-965D041BB612}" srcId="{26682257-041F-498C-853B-3B4ABE55C3C6}" destId="{847CC36F-482E-4AAA-B4D6-1D38E8BFD2A3}" srcOrd="0" destOrd="0" parTransId="{1771E01F-8FB1-4604-85FA-9374E8702791}" sibTransId="{C55B4A05-BA5C-4F95-AF44-892B35475438}"/>
+    <dgm:cxn modelId="{2D659005-708C-4200-81EE-A95597652A22}" type="presOf" srcId="{847CC36F-482E-4AAA-B4D6-1D38E8BFD2A3}" destId="{B4597797-3F16-4DDF-B454-C0757F47BAF7}" srcOrd="0" destOrd="1" presId="urn:microsoft.com/office/officeart/2005/8/layout/process1"/>
+    <dgm:cxn modelId="{04D36FCF-1DFA-4073-ACAA-FE53F17D1362}" type="presOf" srcId="{513408F9-5D73-4BD2-937C-FBC931D0A858}" destId="{31171D05-A1CE-49FB-B9D0-C6333DB94FBC}" srcOrd="1" destOrd="0" presId="urn:microsoft.com/office/officeart/2005/8/layout/process1"/>
     <dgm:cxn modelId="{726E23AA-24D8-48C1-B3DA-887402AF0B75}" srcId="{26682257-041F-498C-853B-3B4ABE55C3C6}" destId="{5086FA96-FB2F-485D-8778-A09EF640AE27}" srcOrd="4" destOrd="0" parTransId="{F31EEFFD-1F1E-4B21-ACF6-1B05C7231B36}" sibTransId="{E3C6F021-802C-4680-BD9A-2769262F3050}"/>
+    <dgm:cxn modelId="{E675DE95-5A27-4386-90F9-7F965E20F63E}" type="presOf" srcId="{5086FA96-FB2F-485D-8778-A09EF640AE27}" destId="{B4597797-3F16-4DDF-B454-C0757F47BAF7}" srcOrd="0" destOrd="5" presId="urn:microsoft.com/office/officeart/2005/8/layout/process1"/>
+    <dgm:cxn modelId="{934C2E5B-14D5-4182-973D-8D5A5EE8078E}" type="presOf" srcId="{1A9720F8-AFFA-42BB-BBB6-089BBADEEFC8}" destId="{E0DB3DB4-B41A-4EE0-AF4F-37EF4C3B728B}" srcOrd="0" destOrd="0" presId="urn:microsoft.com/office/officeart/2005/8/layout/process1"/>
+    <dgm:cxn modelId="{96A23F8A-149E-4A80-88BB-EFDB535706E3}" type="presOf" srcId="{A6432024-AF9F-4938-8A09-00D8AB1504EB}" destId="{5D13DD74-529F-4C3E-B71E-73BD01775F46}" srcOrd="0" destOrd="1" presId="urn:microsoft.com/office/officeart/2005/8/layout/process1"/>
+    <dgm:cxn modelId="{9EFCAACA-6AE4-45AA-970D-1713FF680ED2}" type="presOf" srcId="{513408F9-5D73-4BD2-937C-FBC931D0A858}" destId="{3B1299EF-84BB-429B-B3F2-C48EC8ED1D48}" srcOrd="0" destOrd="0" presId="urn:microsoft.com/office/officeart/2005/8/layout/process1"/>
+    <dgm:cxn modelId="{4397AB84-034C-4E61-997C-E4F93DBC236B}" srcId="{26682257-041F-498C-853B-3B4ABE55C3C6}" destId="{719CCEE1-96D0-4247-9728-EA9E07457C6C}" srcOrd="2" destOrd="0" parTransId="{61BD27CD-B414-459A-A7AE-34C50639D816}" sibTransId="{9D8E7E76-76F4-4428-93C1-C4382C90034C}"/>
+    <dgm:cxn modelId="{1C1B59BE-F4F1-4463-80B1-F527CB4FC59E}" type="presOf" srcId="{77CFC306-D97A-4819-91F9-390CCD29C20B}" destId="{A50B9368-C345-46F3-8006-3048066F2871}" srcOrd="1" destOrd="0" presId="urn:microsoft.com/office/officeart/2005/8/layout/process1"/>
+    <dgm:cxn modelId="{C0F64C5E-69AA-4DC1-8425-C63160442A59}" srcId="{07B8B3ED-63AF-41B2-A9BE-484CE17253D5}" destId="{A6432024-AF9F-4938-8A09-00D8AB1504EB}" srcOrd="0" destOrd="0" parTransId="{83D2EE59-0D50-4457-A78F-018B9D92BC97}" sibTransId="{F8852C03-2013-4D11-9569-2464A8643275}"/>
+    <dgm:cxn modelId="{960F5238-BC13-4265-A97E-DD66063693B6}" type="presOf" srcId="{4DEA8DA1-7437-48EC-8CA2-CDE117CCCFB7}" destId="{0DF9AD66-CB5F-42B7-B31E-448D195ECEC3}" srcOrd="0" destOrd="1" presId="urn:microsoft.com/office/officeart/2005/8/layout/process1"/>
+    <dgm:cxn modelId="{13E53E3F-C385-451C-B89E-A1EAB28DE62F}" type="presOf" srcId="{07B8B3ED-63AF-41B2-A9BE-484CE17253D5}" destId="{5D13DD74-529F-4C3E-B71E-73BD01775F46}" srcOrd="0" destOrd="0" presId="urn:microsoft.com/office/officeart/2005/8/layout/process1"/>
+    <dgm:cxn modelId="{DF625F82-AC13-4934-A609-1C29B1B369CA}" type="presOf" srcId="{26682257-041F-498C-853B-3B4ABE55C3C6}" destId="{B4597797-3F16-4DDF-B454-C0757F47BAF7}" srcOrd="0" destOrd="0" presId="urn:microsoft.com/office/officeart/2005/8/layout/process1"/>
+    <dgm:cxn modelId="{E02BE862-4CD8-4C9A-88C1-BB04BD682C9A}" type="presOf" srcId="{701DB601-5FF1-4BEC-A3CF-DDB98849AA29}" destId="{9D73CDFF-6357-4D0C-8884-6CB9C1748772}" srcOrd="1" destOrd="0" presId="urn:microsoft.com/office/officeart/2005/8/layout/process1"/>
+    <dgm:cxn modelId="{ED04D77A-F9EC-4632-B173-B304F14F8914}" srcId="{19A618F5-9B39-44FC-9CBA-156A478564AE}" destId="{4DEA8DA1-7437-48EC-8CA2-CDE117CCCFB7}" srcOrd="0" destOrd="0" parTransId="{417E9D3D-0BF4-4901-8DA6-58E3D83CAB04}" sibTransId="{CA6DC707-C847-46ED-B39F-47D26BCC9F3B}"/>
+    <dgm:cxn modelId="{60548BB5-BC5D-4A97-AB4E-1A53965858CE}" srcId="{26682257-041F-498C-853B-3B4ABE55C3C6}" destId="{73407B45-A80B-4A09-BC09-2C5D65817358}" srcOrd="6" destOrd="0" parTransId="{6F7BB379-6471-4185-AA4D-0B98ACE189A5}" sibTransId="{FC729B17-8031-409A-9468-DE9009DA1C2E}"/>
+    <dgm:cxn modelId="{443CEB16-AA89-416E-B13E-9CD139C14E98}" srcId="{1A9720F8-AFFA-42BB-BBB6-089BBADEEFC8}" destId="{26682257-041F-498C-853B-3B4ABE55C3C6}" srcOrd="0" destOrd="0" parTransId="{11240072-5DCA-4604-AD05-FAA4D2D54240}" sibTransId="{701DB601-5FF1-4BEC-A3CF-DDB98849AA29}"/>
+    <dgm:cxn modelId="{9C0FCB7A-547D-43C8-9BD8-8540E6F3DD83}" srcId="{1A9720F8-AFFA-42BB-BBB6-089BBADEEFC8}" destId="{19A618F5-9B39-44FC-9CBA-156A478564AE}" srcOrd="2" destOrd="0" parTransId="{658A43F8-9BA6-4641-85E9-BA9AB98B07C3}" sibTransId="{D39D4A6E-4CB7-4465-AC75-77DF121180DE}"/>
     <dgm:cxn modelId="{F062A3CA-EB04-406B-B78A-D7B8990FAB57}" type="presOf" srcId="{73407B45-A80B-4A09-BC09-2C5D65817358}" destId="{B4597797-3F16-4DDF-B454-C0757F47BAF7}" srcOrd="0" destOrd="7" presId="urn:microsoft.com/office/officeart/2005/8/layout/process1"/>
     <dgm:cxn modelId="{8405E666-B1EA-4702-9D9D-C08202D1FD16}" type="presOf" srcId="{CBF90B9E-4393-4ECB-A1D3-63FC5C1B4455}" destId="{19439814-EC85-4BF5-B739-E12D445ADA48}" srcOrd="0" destOrd="0" presId="urn:microsoft.com/office/officeart/2005/8/layout/process1"/>
-    <dgm:cxn modelId="{4DB068C6-6AA0-4287-9FF7-7D2434344082}" srcId="{26682257-041F-498C-853B-3B4ABE55C3C6}" destId="{B9E4D725-300D-4993-BD39-0FB5C3C9DA36}" srcOrd="1" destOrd="0" parTransId="{3A06F7E6-9C53-45C8-A1C3-E683D01D7482}" sibTransId="{DB8DDAC5-2FC8-48A5-AF5E-DC75E52EB5D6}"/>
-    <dgm:cxn modelId="{3A3326B1-A8F8-4081-AC5B-4151A8FE91CD}" type="presOf" srcId="{D39D4A6E-4CB7-4465-AC75-77DF121180DE}" destId="{25F284F0-ED49-44C9-B498-68FF6F2A8CC6}" srcOrd="1" destOrd="0" presId="urn:microsoft.com/office/officeart/2005/8/layout/process1"/>
-    <dgm:cxn modelId="{E675DE95-5A27-4386-90F9-7F965E20F63E}" type="presOf" srcId="{5086FA96-FB2F-485D-8778-A09EF640AE27}" destId="{B4597797-3F16-4DDF-B454-C0757F47BAF7}" srcOrd="0" destOrd="5" presId="urn:microsoft.com/office/officeart/2005/8/layout/process1"/>
-    <dgm:cxn modelId="{7EAF4F42-DF6A-4BF5-B588-814994B25AC2}" srcId="{26682257-041F-498C-853B-3B4ABE55C3C6}" destId="{FDA34FD3-C4CB-4A81-A0DC-79197A397B90}" srcOrd="3" destOrd="0" parTransId="{4EE92A1C-B098-42DC-BEF5-1B091B5D5E6E}" sibTransId="{88CB1D5D-2E2F-4A5F-80C6-14EC4D3DA039}"/>
-    <dgm:cxn modelId="{1C1B59BE-F4F1-4463-80B1-F527CB4FC59E}" type="presOf" srcId="{77CFC306-D97A-4819-91F9-390CCD29C20B}" destId="{A50B9368-C345-46F3-8006-3048066F2871}" srcOrd="1" destOrd="0" presId="urn:microsoft.com/office/officeart/2005/8/layout/process1"/>
-    <dgm:cxn modelId="{2D659005-708C-4200-81EE-A95597652A22}" type="presOf" srcId="{847CC36F-482E-4AAA-B4D6-1D38E8BFD2A3}" destId="{B4597797-3F16-4DDF-B454-C0757F47BAF7}" srcOrd="0" destOrd="1" presId="urn:microsoft.com/office/officeart/2005/8/layout/process1"/>
+    <dgm:cxn modelId="{4D93F3F8-27A0-4F96-8A07-4E1104468D77}" type="presOf" srcId="{B9E4D725-300D-4993-BD39-0FB5C3C9DA36}" destId="{B4597797-3F16-4DDF-B454-C0757F47BAF7}" srcOrd="0" destOrd="2" presId="urn:microsoft.com/office/officeart/2005/8/layout/process1"/>
+    <dgm:cxn modelId="{EB16E672-5249-4175-AA6B-156BA9DA775F}" srcId="{1A9720F8-AFFA-42BB-BBB6-089BBADEEFC8}" destId="{07B8B3ED-63AF-41B2-A9BE-484CE17253D5}" srcOrd="1" destOrd="0" parTransId="{E155263C-0F62-4661-97B7-1190E7C32109}" sibTransId="{513408F9-5D73-4BD2-937C-FBC931D0A858}"/>
+    <dgm:cxn modelId="{16CE57B2-2A60-4315-ADD4-DC37DFE766F5}" type="presOf" srcId="{D39D4A6E-4CB7-4465-AC75-77DF121180DE}" destId="{42E60BFE-D83D-44C2-A40D-BBAD2D140681}" srcOrd="0" destOrd="0" presId="urn:microsoft.com/office/officeart/2005/8/layout/process1"/>
+    <dgm:cxn modelId="{AC4AAE3F-1491-4495-BE12-0DDAEFF945F7}" type="presOf" srcId="{C03E0A59-DE2D-4D76-862E-BBD300AB54CF}" destId="{B4597797-3F16-4DDF-B454-C0757F47BAF7}" srcOrd="0" destOrd="6" presId="urn:microsoft.com/office/officeart/2005/8/layout/process1"/>
+    <dgm:cxn modelId="{716703F5-2AFE-4675-BAB0-B2624805EB30}" type="presOf" srcId="{210D61DF-1AC4-4AFA-965B-E977C5E639E3}" destId="{AFACF62E-B10B-418B-8C3B-89A6C5A119F4}" srcOrd="0" destOrd="0" presId="urn:microsoft.com/office/officeart/2005/8/layout/process1"/>
     <dgm:cxn modelId="{FA8E57D9-F9A3-4004-867E-978EF57C7942}" srcId="{1A9720F8-AFFA-42BB-BBB6-089BBADEEFC8}" destId="{210D61DF-1AC4-4AFA-965B-E977C5E639E3}" srcOrd="3" destOrd="0" parTransId="{6D07F249-BAD5-4A76-B925-11D759BFD7E1}" sibTransId="{77CFC306-D97A-4819-91F9-390CCD29C20B}"/>
-    <dgm:cxn modelId="{9C0FCB7A-547D-43C8-9BD8-8540E6F3DD83}" srcId="{1A9720F8-AFFA-42BB-BBB6-089BBADEEFC8}" destId="{19A618F5-9B39-44FC-9CBA-156A478564AE}" srcOrd="2" destOrd="0" parTransId="{658A43F8-9BA6-4641-85E9-BA9AB98B07C3}" sibTransId="{D39D4A6E-4CB7-4465-AC75-77DF121180DE}"/>
-    <dgm:cxn modelId="{AC4AAE3F-1491-4495-BE12-0DDAEFF945F7}" type="presOf" srcId="{C03E0A59-DE2D-4D76-862E-BBD300AB54CF}" destId="{B4597797-3F16-4DDF-B454-C0757F47BAF7}" srcOrd="0" destOrd="6" presId="urn:microsoft.com/office/officeart/2005/8/layout/process1"/>
-    <dgm:cxn modelId="{67472603-0016-4ACE-9483-E09EA39D4887}" type="presOf" srcId="{719CCEE1-96D0-4247-9728-EA9E07457C6C}" destId="{B4597797-3F16-4DDF-B454-C0757F47BAF7}" srcOrd="0" destOrd="3" presId="urn:microsoft.com/office/officeart/2005/8/layout/process1"/>
-    <dgm:cxn modelId="{FE4A9FED-5236-44E6-993D-6BE7D29F4BA7}" type="presOf" srcId="{701DB601-5FF1-4BEC-A3CF-DDB98849AA29}" destId="{0F88B4DC-0202-4424-B725-0AD43943C497}" srcOrd="0" destOrd="0" presId="urn:microsoft.com/office/officeart/2005/8/layout/process1"/>
-    <dgm:cxn modelId="{91AD54B9-50A3-4FB2-8518-B9384D3B1319}" type="presOf" srcId="{77CFC306-D97A-4819-91F9-390CCD29C20B}" destId="{59AE002B-F885-4893-A90E-3A097FBE177C}" srcOrd="0" destOrd="0" presId="urn:microsoft.com/office/officeart/2005/8/layout/process1"/>
-    <dgm:cxn modelId="{960F5238-BC13-4265-A97E-DD66063693B6}" type="presOf" srcId="{4DEA8DA1-7437-48EC-8CA2-CDE117CCCFB7}" destId="{0DF9AD66-CB5F-42B7-B31E-448D195ECEC3}" srcOrd="0" destOrd="1" presId="urn:microsoft.com/office/officeart/2005/8/layout/process1"/>
     <dgm:cxn modelId="{ABA73319-CF3E-4BDE-961F-F2C18BC2416E}" srcId="{1A9720F8-AFFA-42BB-BBB6-089BBADEEFC8}" destId="{CBF90B9E-4393-4ECB-A1D3-63FC5C1B4455}" srcOrd="4" destOrd="0" parTransId="{68D2B974-6DDF-4CAC-AA10-D1C9D51BFAC3}" sibTransId="{17ED707E-2DA5-42F6-840B-6E25E490160B}"/>
-    <dgm:cxn modelId="{934C2E5B-14D5-4182-973D-8D5A5EE8078E}" type="presOf" srcId="{1A9720F8-AFFA-42BB-BBB6-089BBADEEFC8}" destId="{E0DB3DB4-B41A-4EE0-AF4F-37EF4C3B728B}" srcOrd="0" destOrd="0" presId="urn:microsoft.com/office/officeart/2005/8/layout/process1"/>
-    <dgm:cxn modelId="{716703F5-2AFE-4675-BAB0-B2624805EB30}" type="presOf" srcId="{210D61DF-1AC4-4AFA-965B-E977C5E639E3}" destId="{AFACF62E-B10B-418B-8C3B-89A6C5A119F4}" srcOrd="0" destOrd="0" presId="urn:microsoft.com/office/officeart/2005/8/layout/process1"/>
-    <dgm:cxn modelId="{ED04D77A-F9EC-4632-B173-B304F14F8914}" srcId="{19A618F5-9B39-44FC-9CBA-156A478564AE}" destId="{4DEA8DA1-7437-48EC-8CA2-CDE117CCCFB7}" srcOrd="0" destOrd="0" parTransId="{417E9D3D-0BF4-4901-8DA6-58E3D83CAB04}" sibTransId="{CA6DC707-C847-46ED-B39F-47D26BCC9F3B}"/>
-    <dgm:cxn modelId="{60548BB5-BC5D-4A97-AB4E-1A53965858CE}" srcId="{26682257-041F-498C-853B-3B4ABE55C3C6}" destId="{73407B45-A80B-4A09-BC09-2C5D65817358}" srcOrd="6" destOrd="0" parTransId="{6F7BB379-6471-4185-AA4D-0B98ACE189A5}" sibTransId="{FC729B17-8031-409A-9468-DE9009DA1C2E}"/>
-    <dgm:cxn modelId="{C0F64C5E-69AA-4DC1-8425-C63160442A59}" srcId="{07B8B3ED-63AF-41B2-A9BE-484CE17253D5}" destId="{A6432024-AF9F-4938-8A09-00D8AB1504EB}" srcOrd="0" destOrd="0" parTransId="{83D2EE59-0D50-4457-A78F-018B9D92BC97}" sibTransId="{F8852C03-2013-4D11-9569-2464A8643275}"/>
-    <dgm:cxn modelId="{96A23F8A-149E-4A80-88BB-EFDB535706E3}" type="presOf" srcId="{A6432024-AF9F-4938-8A09-00D8AB1504EB}" destId="{5D13DD74-529F-4C3E-B71E-73BD01775F46}" srcOrd="0" destOrd="1" presId="urn:microsoft.com/office/officeart/2005/8/layout/process1"/>
-    <dgm:cxn modelId="{16CE57B2-2A60-4315-ADD4-DC37DFE766F5}" type="presOf" srcId="{D39D4A6E-4CB7-4465-AC75-77DF121180DE}" destId="{42E60BFE-D83D-44C2-A40D-BBAD2D140681}" srcOrd="0" destOrd="0" presId="urn:microsoft.com/office/officeart/2005/8/layout/process1"/>
-    <dgm:cxn modelId="{EB16E672-5249-4175-AA6B-156BA9DA775F}" srcId="{1A9720F8-AFFA-42BB-BBB6-089BBADEEFC8}" destId="{07B8B3ED-63AF-41B2-A9BE-484CE17253D5}" srcOrd="1" destOrd="0" parTransId="{E155263C-0F62-4661-97B7-1190E7C32109}" sibTransId="{513408F9-5D73-4BD2-937C-FBC931D0A858}"/>
-    <dgm:cxn modelId="{5F1C93AC-8DB3-4731-A82C-C9C6A816F4D8}" type="presOf" srcId="{19A618F5-9B39-44FC-9CBA-156A478564AE}" destId="{0DF9AD66-CB5F-42B7-B31E-448D195ECEC3}" srcOrd="0" destOrd="0" presId="urn:microsoft.com/office/officeart/2005/8/layout/process1"/>
-    <dgm:cxn modelId="{4D93F3F8-27A0-4F96-8A07-4E1104468D77}" type="presOf" srcId="{B9E4D725-300D-4993-BD39-0FB5C3C9DA36}" destId="{B4597797-3F16-4DDF-B454-C0757F47BAF7}" srcOrd="0" destOrd="2" presId="urn:microsoft.com/office/officeart/2005/8/layout/process1"/>
-    <dgm:cxn modelId="{13E53E3F-C385-451C-B89E-A1EAB28DE62F}" type="presOf" srcId="{07B8B3ED-63AF-41B2-A9BE-484CE17253D5}" destId="{5D13DD74-529F-4C3E-B71E-73BD01775F46}" srcOrd="0" destOrd="0" presId="urn:microsoft.com/office/officeart/2005/8/layout/process1"/>
-    <dgm:cxn modelId="{04D36FCF-1DFA-4073-ACAA-FE53F17D1362}" type="presOf" srcId="{513408F9-5D73-4BD2-937C-FBC931D0A858}" destId="{31171D05-A1CE-49FB-B9D0-C6333DB94FBC}" srcOrd="1" destOrd="0" presId="urn:microsoft.com/office/officeart/2005/8/layout/process1"/>
-    <dgm:cxn modelId="{DF625F82-AC13-4934-A609-1C29B1B369CA}" type="presOf" srcId="{26682257-041F-498C-853B-3B4ABE55C3C6}" destId="{B4597797-3F16-4DDF-B454-C0757F47BAF7}" srcOrd="0" destOrd="0" presId="urn:microsoft.com/office/officeart/2005/8/layout/process1"/>
-    <dgm:cxn modelId="{E02BE862-4CD8-4C9A-88C1-BB04BD682C9A}" type="presOf" srcId="{701DB601-5FF1-4BEC-A3CF-DDB98849AA29}" destId="{9D73CDFF-6357-4D0C-8884-6CB9C1748772}" srcOrd="1" destOrd="0" presId="urn:microsoft.com/office/officeart/2005/8/layout/process1"/>
-    <dgm:cxn modelId="{14636718-70AF-4ACE-9880-946743A67B2C}" type="presOf" srcId="{FDA34FD3-C4CB-4A81-A0DC-79197A397B90}" destId="{B4597797-3F16-4DDF-B454-C0757F47BAF7}" srcOrd="0" destOrd="4" presId="urn:microsoft.com/office/officeart/2005/8/layout/process1"/>
-    <dgm:cxn modelId="{443CEB16-AA89-416E-B13E-9CD139C14E98}" srcId="{1A9720F8-AFFA-42BB-BBB6-089BBADEEFC8}" destId="{26682257-041F-498C-853B-3B4ABE55C3C6}" srcOrd="0" destOrd="0" parTransId="{11240072-5DCA-4604-AD05-FAA4D2D54240}" sibTransId="{701DB601-5FF1-4BEC-A3CF-DDB98849AA29}"/>
-    <dgm:cxn modelId="{C8FF7815-6D07-4434-9F26-B38F29CC6816}" srcId="{26682257-041F-498C-853B-3B4ABE55C3C6}" destId="{C03E0A59-DE2D-4D76-862E-BBD300AB54CF}" srcOrd="5" destOrd="0" parTransId="{78B6EC2C-38F1-4176-A806-1ECEB08A53D6}" sibTransId="{C681AEF0-6459-4168-9BA3-F72023393CE1}"/>
-    <dgm:cxn modelId="{4397AB84-034C-4E61-997C-E4F93DBC236B}" srcId="{26682257-041F-498C-853B-3B4ABE55C3C6}" destId="{719CCEE1-96D0-4247-9728-EA9E07457C6C}" srcOrd="2" destOrd="0" parTransId="{61BD27CD-B414-459A-A7AE-34C50639D816}" sibTransId="{9D8E7E76-76F4-4428-93C1-C4382C90034C}"/>
-    <dgm:cxn modelId="{9EFCAACA-6AE4-45AA-970D-1713FF680ED2}" type="presOf" srcId="{513408F9-5D73-4BD2-937C-FBC931D0A858}" destId="{3B1299EF-84BB-429B-B3F2-C48EC8ED1D48}" srcOrd="0" destOrd="0" presId="urn:microsoft.com/office/officeart/2005/8/layout/process1"/>
     <dgm:cxn modelId="{97E0D6AF-24C7-476B-9B9F-97B32B63E86C}" type="presParOf" srcId="{E0DB3DB4-B41A-4EE0-AF4F-37EF4C3B728B}" destId="{B4597797-3F16-4DDF-B454-C0757F47BAF7}" srcOrd="0" destOrd="0" presId="urn:microsoft.com/office/officeart/2005/8/layout/process1"/>
     <dgm:cxn modelId="{2DE54185-7F75-4D0E-8796-7AB444BF9C81}" type="presParOf" srcId="{E0DB3DB4-B41A-4EE0-AF4F-37EF4C3B728B}" destId="{0F88B4DC-0202-4424-B725-0AD43943C497}" srcOrd="1" destOrd="0" presId="urn:microsoft.com/office/officeart/2005/8/layout/process1"/>
     <dgm:cxn modelId="{88CF06FB-CD2A-4CE4-A618-0258B4C07C16}" type="presParOf" srcId="{0F88B4DC-0202-4424-B725-0AD43943C497}" destId="{9D73CDFF-6357-4D0C-8884-6CB9C1748772}" srcOrd="0" destOrd="0" presId="urn:microsoft.com/office/officeart/2005/8/layout/process1"/>
@@ -1605,822 +1695,6 @@
       <dsp:cNvGrpSpPr/>
     </dsp:nvGrpSpPr>
     <dsp:grpSpPr/>
-    <dsp:sp modelId="{B4597797-3F16-4DDF-B454-C0757F47BAF7}">
-      <dsp:nvSpPr>
-        <dsp:cNvPr id="0" name=""/>
-        <dsp:cNvSpPr/>
-      </dsp:nvSpPr>
-      <dsp:spPr>
-        <a:xfrm>
-          <a:off x="4946" y="782485"/>
-          <a:ext cx="1533565" cy="2084690"/>
-        </a:xfrm>
-        <a:prstGeom prst="rect">
-          <a:avLst/>
-        </a:prstGeom>
-        <a:solidFill>
-          <a:schemeClr val="accent5">
-            <a:hueOff val="0"/>
-            <a:satOff val="0"/>
-            <a:lumOff val="0"/>
-            <a:alphaOff val="0"/>
-          </a:schemeClr>
-        </a:solidFill>
-        <a:ln w="25400" cap="rnd" cmpd="sng" algn="ctr">
-          <a:solidFill>
-            <a:schemeClr val="lt1">
-              <a:hueOff val="0"/>
-              <a:satOff val="0"/>
-              <a:lumOff val="0"/>
-              <a:alphaOff val="0"/>
-            </a:schemeClr>
-          </a:solidFill>
-          <a:prstDash val="solid"/>
-        </a:ln>
-        <a:effectLst/>
-      </dsp:spPr>
-      <dsp:style>
-        <a:lnRef idx="3">
-          <a:scrgbClr r="0" g="0" b="0"/>
-        </a:lnRef>
-        <a:fillRef idx="1">
-          <a:scrgbClr r="0" g="0" b="0"/>
-        </a:fillRef>
-        <a:effectRef idx="1">
-          <a:scrgbClr r="0" g="0" b="0"/>
-        </a:effectRef>
-        <a:fontRef idx="minor">
-          <a:schemeClr val="lt1"/>
-        </a:fontRef>
-      </dsp:style>
-      <dsp:txBody>
-        <a:bodyPr spcFirstLastPara="0" vert="horz" wrap="square" lIns="68580" tIns="68580" rIns="68580" bIns="68580" numCol="1" spcCol="1270" anchor="t" anchorCtr="0">
-          <a:noAutofit/>
-        </a:bodyPr>
-        <a:lstStyle/>
-        <a:p>
-          <a:pPr lvl="0" algn="l" defTabSz="800100">
-            <a:lnSpc>
-              <a:spcPct val="90000"/>
-            </a:lnSpc>
-            <a:spcBef>
-              <a:spcPct val="0"/>
-            </a:spcBef>
-            <a:spcAft>
-              <a:spcPct val="35000"/>
-            </a:spcAft>
-          </a:pPr>
-          <a:r>
-            <a:rPr lang="en-US" sz="1800" kern="1200" dirty="0" smtClean="0"/>
-            <a:t>CAD</a:t>
-          </a:r>
-          <a:endParaRPr lang="en-US" sz="1800" kern="1200" dirty="0"/>
-        </a:p>
-        <a:p>
-          <a:pPr marL="114300" lvl="1" indent="-114300" algn="l" defTabSz="622300">
-            <a:lnSpc>
-              <a:spcPct val="90000"/>
-            </a:lnSpc>
-            <a:spcBef>
-              <a:spcPct val="0"/>
-            </a:spcBef>
-            <a:spcAft>
-              <a:spcPct val="15000"/>
-            </a:spcAft>
-            <a:buChar char="••"/>
-          </a:pPr>
-          <a:r>
-            <a:rPr lang="en-US" sz="1400" kern="1200" dirty="0" smtClean="0"/>
-            <a:t>OpenSCAD</a:t>
-          </a:r>
-          <a:endParaRPr lang="en-US" sz="1400" kern="1200" dirty="0"/>
-        </a:p>
-        <a:p>
-          <a:pPr marL="114300" lvl="1" indent="-114300" algn="l" defTabSz="622300">
-            <a:lnSpc>
-              <a:spcPct val="90000"/>
-            </a:lnSpc>
-            <a:spcBef>
-              <a:spcPct val="0"/>
-            </a:spcBef>
-            <a:spcAft>
-              <a:spcPct val="15000"/>
-            </a:spcAft>
-            <a:buChar char="••"/>
-          </a:pPr>
-          <a:r>
-            <a:rPr lang="en-US" sz="1400" kern="1200" dirty="0" smtClean="0"/>
-            <a:t>Blender</a:t>
-          </a:r>
-          <a:endParaRPr lang="en-US" sz="1400" kern="1200" dirty="0"/>
-        </a:p>
-        <a:p>
-          <a:pPr marL="114300" lvl="1" indent="-114300" algn="l" defTabSz="622300">
-            <a:lnSpc>
-              <a:spcPct val="90000"/>
-            </a:lnSpc>
-            <a:spcBef>
-              <a:spcPct val="0"/>
-            </a:spcBef>
-            <a:spcAft>
-              <a:spcPct val="15000"/>
-            </a:spcAft>
-            <a:buChar char="••"/>
-          </a:pPr>
-          <a:r>
-            <a:rPr lang="en-US" sz="1400" kern="1200" dirty="0" smtClean="0"/>
-            <a:t>Sketch Up</a:t>
-          </a:r>
-          <a:endParaRPr lang="en-US" sz="1400" kern="1200" dirty="0"/>
-        </a:p>
-        <a:p>
-          <a:pPr marL="114300" lvl="1" indent="-114300" algn="l" defTabSz="622300">
-            <a:lnSpc>
-              <a:spcPct val="90000"/>
-            </a:lnSpc>
-            <a:spcBef>
-              <a:spcPct val="0"/>
-            </a:spcBef>
-            <a:spcAft>
-              <a:spcPct val="15000"/>
-            </a:spcAft>
-            <a:buChar char="••"/>
-          </a:pPr>
-          <a:r>
-            <a:rPr lang="en-US" sz="1400" kern="1200" dirty="0" smtClean="0"/>
-            <a:t>Autodesk</a:t>
-          </a:r>
-          <a:endParaRPr lang="en-US" sz="1400" kern="1200" dirty="0"/>
-        </a:p>
-        <a:p>
-          <a:pPr marL="114300" lvl="1" indent="-114300" algn="l" defTabSz="622300">
-            <a:lnSpc>
-              <a:spcPct val="90000"/>
-            </a:lnSpc>
-            <a:spcBef>
-              <a:spcPct val="0"/>
-            </a:spcBef>
-            <a:spcAft>
-              <a:spcPct val="15000"/>
-            </a:spcAft>
-            <a:buChar char="••"/>
-          </a:pPr>
-          <a:r>
-            <a:rPr lang="en-US" sz="1400" kern="1200" dirty="0" smtClean="0"/>
-            <a:t>PTC Creo</a:t>
-          </a:r>
-          <a:endParaRPr lang="en-US" sz="1400" kern="1200" dirty="0"/>
-        </a:p>
-        <a:p>
-          <a:pPr marL="114300" lvl="1" indent="-114300" algn="l" defTabSz="622300">
-            <a:lnSpc>
-              <a:spcPct val="90000"/>
-            </a:lnSpc>
-            <a:spcBef>
-              <a:spcPct val="0"/>
-            </a:spcBef>
-            <a:spcAft>
-              <a:spcPct val="15000"/>
-            </a:spcAft>
-            <a:buChar char="••"/>
-          </a:pPr>
-          <a:r>
-            <a:rPr lang="en-US" sz="1400" kern="1200" dirty="0" smtClean="0"/>
-            <a:t>Solid Works</a:t>
-          </a:r>
-          <a:endParaRPr lang="en-US" sz="1400" kern="1200" dirty="0"/>
-        </a:p>
-        <a:p>
-          <a:pPr marL="114300" lvl="1" indent="-114300" algn="l" defTabSz="622300">
-            <a:lnSpc>
-              <a:spcPct val="90000"/>
-            </a:lnSpc>
-            <a:spcBef>
-              <a:spcPct val="0"/>
-            </a:spcBef>
-            <a:spcAft>
-              <a:spcPct val="15000"/>
-            </a:spcAft>
-            <a:buChar char="••"/>
-          </a:pPr>
-          <a:endParaRPr lang="en-US" sz="1400" kern="1200" dirty="0"/>
-        </a:p>
-      </dsp:txBody>
-      <dsp:txXfrm>
-        <a:off x="4946" y="782485"/>
-        <a:ext cx="1533565" cy="2084690"/>
-      </dsp:txXfrm>
-    </dsp:sp>
-    <dsp:sp modelId="{0F88B4DC-0202-4424-B725-0AD43943C497}">
-      <dsp:nvSpPr>
-        <dsp:cNvPr id="0" name=""/>
-        <dsp:cNvSpPr/>
-      </dsp:nvSpPr>
-      <dsp:spPr>
-        <a:xfrm>
-          <a:off x="1691868" y="1634668"/>
-          <a:ext cx="325115" cy="380324"/>
-        </a:xfrm>
-        <a:prstGeom prst="rightArrow">
-          <a:avLst>
-            <a:gd name="adj1" fmla="val 60000"/>
-            <a:gd name="adj2" fmla="val 50000"/>
-          </a:avLst>
-        </a:prstGeom>
-        <a:solidFill>
-          <a:schemeClr val="accent5">
-            <a:hueOff val="0"/>
-            <a:satOff val="0"/>
-            <a:lumOff val="0"/>
-            <a:alphaOff val="0"/>
-          </a:schemeClr>
-        </a:solidFill>
-        <a:ln>
-          <a:noFill/>
-        </a:ln>
-        <a:effectLst/>
-      </dsp:spPr>
-      <dsp:style>
-        <a:lnRef idx="0">
-          <a:scrgbClr r="0" g="0" b="0"/>
-        </a:lnRef>
-        <a:fillRef idx="1">
-          <a:scrgbClr r="0" g="0" b="0"/>
-        </a:fillRef>
-        <a:effectRef idx="1">
-          <a:scrgbClr r="0" g="0" b="0"/>
-        </a:effectRef>
-        <a:fontRef idx="minor">
-          <a:schemeClr val="lt1"/>
-        </a:fontRef>
-      </dsp:style>
-      <dsp:txBody>
-        <a:bodyPr spcFirstLastPara="0" vert="horz" wrap="square" lIns="0" tIns="0" rIns="0" bIns="0" numCol="1" spcCol="1270" anchor="ctr" anchorCtr="0">
-          <a:noAutofit/>
-        </a:bodyPr>
-        <a:lstStyle/>
-        <a:p>
-          <a:pPr lvl="0" algn="ctr" defTabSz="622300">
-            <a:lnSpc>
-              <a:spcPct val="90000"/>
-            </a:lnSpc>
-            <a:spcBef>
-              <a:spcPct val="0"/>
-            </a:spcBef>
-            <a:spcAft>
-              <a:spcPct val="35000"/>
-            </a:spcAft>
-          </a:pPr>
-          <a:endParaRPr lang="en-US" sz="1400" kern="1200"/>
-        </a:p>
-      </dsp:txBody>
-      <dsp:txXfrm>
-        <a:off x="1691868" y="1710733"/>
-        <a:ext cx="227581" cy="228194"/>
-      </dsp:txXfrm>
-    </dsp:sp>
-    <dsp:sp modelId="{5D13DD74-529F-4C3E-B71E-73BD01775F46}">
-      <dsp:nvSpPr>
-        <dsp:cNvPr id="0" name=""/>
-        <dsp:cNvSpPr/>
-      </dsp:nvSpPr>
-      <dsp:spPr>
-        <a:xfrm>
-          <a:off x="2151938" y="782485"/>
-          <a:ext cx="1533565" cy="2084690"/>
-        </a:xfrm>
-        <a:prstGeom prst="rect">
-          <a:avLst/>
-        </a:prstGeom>
-        <a:solidFill>
-          <a:schemeClr val="accent5">
-            <a:hueOff val="-501234"/>
-            <a:satOff val="276"/>
-            <a:lumOff val="1324"/>
-            <a:alphaOff val="0"/>
-          </a:schemeClr>
-        </a:solidFill>
-        <a:ln w="25400" cap="rnd" cmpd="sng" algn="ctr">
-          <a:solidFill>
-            <a:schemeClr val="lt1">
-              <a:hueOff val="0"/>
-              <a:satOff val="0"/>
-              <a:lumOff val="0"/>
-              <a:alphaOff val="0"/>
-            </a:schemeClr>
-          </a:solidFill>
-          <a:prstDash val="solid"/>
-        </a:ln>
-        <a:effectLst/>
-      </dsp:spPr>
-      <dsp:style>
-        <a:lnRef idx="3">
-          <a:scrgbClr r="0" g="0" b="0"/>
-        </a:lnRef>
-        <a:fillRef idx="1">
-          <a:scrgbClr r="0" g="0" b="0"/>
-        </a:fillRef>
-        <a:effectRef idx="1">
-          <a:scrgbClr r="0" g="0" b="0"/>
-        </a:effectRef>
-        <a:fontRef idx="minor">
-          <a:schemeClr val="lt1"/>
-        </a:fontRef>
-      </dsp:style>
-      <dsp:txBody>
-        <a:bodyPr spcFirstLastPara="0" vert="horz" wrap="square" lIns="68580" tIns="68580" rIns="68580" bIns="68580" numCol="1" spcCol="1270" anchor="t" anchorCtr="0">
-          <a:noAutofit/>
-        </a:bodyPr>
-        <a:lstStyle/>
-        <a:p>
-          <a:pPr lvl="0" algn="l" defTabSz="800100">
-            <a:lnSpc>
-              <a:spcPct val="90000"/>
-            </a:lnSpc>
-            <a:spcBef>
-              <a:spcPct val="0"/>
-            </a:spcBef>
-            <a:spcAft>
-              <a:spcPct val="35000"/>
-            </a:spcAft>
-          </a:pPr>
-          <a:r>
-            <a:rPr lang="en-US" sz="1800" kern="1200" dirty="0" smtClean="0"/>
-            <a:t>Slice Engine</a:t>
-          </a:r>
-          <a:endParaRPr lang="en-US" sz="1800" kern="1200" dirty="0"/>
-        </a:p>
-        <a:p>
-          <a:pPr marL="114300" lvl="1" indent="-114300" algn="l" defTabSz="622300">
-            <a:lnSpc>
-              <a:spcPct val="90000"/>
-            </a:lnSpc>
-            <a:spcBef>
-              <a:spcPct val="0"/>
-            </a:spcBef>
-            <a:spcAft>
-              <a:spcPct val="15000"/>
-            </a:spcAft>
-            <a:buChar char="••"/>
-          </a:pPr>
-          <a:endParaRPr lang="en-US" sz="1400" kern="1200"/>
-        </a:p>
-      </dsp:txBody>
-      <dsp:txXfrm>
-        <a:off x="2151938" y="782485"/>
-        <a:ext cx="1533565" cy="2084690"/>
-      </dsp:txXfrm>
-    </dsp:sp>
-    <dsp:sp modelId="{3B1299EF-84BB-429B-B3F2-C48EC8ED1D48}">
-      <dsp:nvSpPr>
-        <dsp:cNvPr id="0" name=""/>
-        <dsp:cNvSpPr/>
-      </dsp:nvSpPr>
-      <dsp:spPr>
-        <a:xfrm>
-          <a:off x="3838860" y="1634668"/>
-          <a:ext cx="325115" cy="380324"/>
-        </a:xfrm>
-        <a:prstGeom prst="rightArrow">
-          <a:avLst>
-            <a:gd name="adj1" fmla="val 60000"/>
-            <a:gd name="adj2" fmla="val 50000"/>
-          </a:avLst>
-        </a:prstGeom>
-        <a:solidFill>
-          <a:schemeClr val="accent5">
-            <a:hueOff val="-668312"/>
-            <a:satOff val="367"/>
-            <a:lumOff val="1765"/>
-            <a:alphaOff val="0"/>
-          </a:schemeClr>
-        </a:solidFill>
-        <a:ln>
-          <a:noFill/>
-        </a:ln>
-        <a:effectLst/>
-      </dsp:spPr>
-      <dsp:style>
-        <a:lnRef idx="0">
-          <a:scrgbClr r="0" g="0" b="0"/>
-        </a:lnRef>
-        <a:fillRef idx="1">
-          <a:scrgbClr r="0" g="0" b="0"/>
-        </a:fillRef>
-        <a:effectRef idx="1">
-          <a:scrgbClr r="0" g="0" b="0"/>
-        </a:effectRef>
-        <a:fontRef idx="minor">
-          <a:schemeClr val="lt1"/>
-        </a:fontRef>
-      </dsp:style>
-      <dsp:txBody>
-        <a:bodyPr spcFirstLastPara="0" vert="horz" wrap="square" lIns="0" tIns="0" rIns="0" bIns="0" numCol="1" spcCol="1270" anchor="ctr" anchorCtr="0">
-          <a:noAutofit/>
-        </a:bodyPr>
-        <a:lstStyle/>
-        <a:p>
-          <a:pPr lvl="0" algn="ctr" defTabSz="622300">
-            <a:lnSpc>
-              <a:spcPct val="90000"/>
-            </a:lnSpc>
-            <a:spcBef>
-              <a:spcPct val="0"/>
-            </a:spcBef>
-            <a:spcAft>
-              <a:spcPct val="35000"/>
-            </a:spcAft>
-          </a:pPr>
-          <a:endParaRPr lang="en-US" sz="1400" kern="1200"/>
-        </a:p>
-      </dsp:txBody>
-      <dsp:txXfrm>
-        <a:off x="3838860" y="1710733"/>
-        <a:ext cx="227581" cy="228194"/>
-      </dsp:txXfrm>
-    </dsp:sp>
-    <dsp:sp modelId="{0DF9AD66-CB5F-42B7-B31E-448D195ECEC3}">
-      <dsp:nvSpPr>
-        <dsp:cNvPr id="0" name=""/>
-        <dsp:cNvSpPr/>
-      </dsp:nvSpPr>
-      <dsp:spPr>
-        <a:xfrm>
-          <a:off x="4298929" y="782485"/>
-          <a:ext cx="1533565" cy="2084690"/>
-        </a:xfrm>
-        <a:prstGeom prst="rect">
-          <a:avLst/>
-        </a:prstGeom>
-        <a:solidFill>
-          <a:schemeClr val="accent5">
-            <a:hueOff val="-1002469"/>
-            <a:satOff val="551"/>
-            <a:lumOff val="2647"/>
-            <a:alphaOff val="0"/>
-          </a:schemeClr>
-        </a:solidFill>
-        <a:ln w="25400" cap="rnd" cmpd="sng" algn="ctr">
-          <a:solidFill>
-            <a:schemeClr val="lt1">
-              <a:hueOff val="0"/>
-              <a:satOff val="0"/>
-              <a:lumOff val="0"/>
-              <a:alphaOff val="0"/>
-            </a:schemeClr>
-          </a:solidFill>
-          <a:prstDash val="solid"/>
-        </a:ln>
-        <a:effectLst/>
-      </dsp:spPr>
-      <dsp:style>
-        <a:lnRef idx="3">
-          <a:scrgbClr r="0" g="0" b="0"/>
-        </a:lnRef>
-        <a:fillRef idx="1">
-          <a:scrgbClr r="0" g="0" b="0"/>
-        </a:fillRef>
-        <a:effectRef idx="1">
-          <a:scrgbClr r="0" g="0" b="0"/>
-        </a:effectRef>
-        <a:fontRef idx="minor">
-          <a:schemeClr val="lt1"/>
-        </a:fontRef>
-      </dsp:style>
-      <dsp:txBody>
-        <a:bodyPr spcFirstLastPara="0" vert="horz" wrap="square" lIns="68580" tIns="68580" rIns="68580" bIns="68580" numCol="1" spcCol="1270" anchor="t" anchorCtr="0">
-          <a:noAutofit/>
-        </a:bodyPr>
-        <a:lstStyle/>
-        <a:p>
-          <a:pPr lvl="0" algn="l" defTabSz="800100">
-            <a:lnSpc>
-              <a:spcPct val="90000"/>
-            </a:lnSpc>
-            <a:spcBef>
-              <a:spcPct val="0"/>
-            </a:spcBef>
-            <a:spcAft>
-              <a:spcPct val="35000"/>
-            </a:spcAft>
-          </a:pPr>
-          <a:r>
-            <a:rPr lang="en-US" sz="1800" kern="1200" dirty="0" smtClean="0"/>
-            <a:t>Print Driver</a:t>
-          </a:r>
-          <a:endParaRPr lang="en-US" sz="1800" kern="1200" dirty="0"/>
-        </a:p>
-        <a:p>
-          <a:pPr marL="114300" lvl="1" indent="-114300" algn="l" defTabSz="622300">
-            <a:lnSpc>
-              <a:spcPct val="90000"/>
-            </a:lnSpc>
-            <a:spcBef>
-              <a:spcPct val="0"/>
-            </a:spcBef>
-            <a:spcAft>
-              <a:spcPct val="15000"/>
-            </a:spcAft>
-            <a:buChar char="••"/>
-          </a:pPr>
-          <a:endParaRPr lang="en-US" sz="1400" kern="1200" dirty="0"/>
-        </a:p>
-      </dsp:txBody>
-      <dsp:txXfrm>
-        <a:off x="4298929" y="782485"/>
-        <a:ext cx="1533565" cy="2084690"/>
-      </dsp:txXfrm>
-    </dsp:sp>
-    <dsp:sp modelId="{42E60BFE-D83D-44C2-A40D-BBAD2D140681}">
-      <dsp:nvSpPr>
-        <dsp:cNvPr id="0" name=""/>
-        <dsp:cNvSpPr/>
-      </dsp:nvSpPr>
-      <dsp:spPr>
-        <a:xfrm>
-          <a:off x="5985851" y="1634668"/>
-          <a:ext cx="325115" cy="380324"/>
-        </a:xfrm>
-        <a:prstGeom prst="rightArrow">
-          <a:avLst>
-            <a:gd name="adj1" fmla="val 60000"/>
-            <a:gd name="adj2" fmla="val 50000"/>
-          </a:avLst>
-        </a:prstGeom>
-        <a:solidFill>
-          <a:schemeClr val="accent5">
-            <a:hueOff val="-1336625"/>
-            <a:satOff val="735"/>
-            <a:lumOff val="3529"/>
-            <a:alphaOff val="0"/>
-          </a:schemeClr>
-        </a:solidFill>
-        <a:ln>
-          <a:noFill/>
-        </a:ln>
-        <a:effectLst/>
-      </dsp:spPr>
-      <dsp:style>
-        <a:lnRef idx="0">
-          <a:scrgbClr r="0" g="0" b="0"/>
-        </a:lnRef>
-        <a:fillRef idx="1">
-          <a:scrgbClr r="0" g="0" b="0"/>
-        </a:fillRef>
-        <a:effectRef idx="1">
-          <a:scrgbClr r="0" g="0" b="0"/>
-        </a:effectRef>
-        <a:fontRef idx="minor">
-          <a:schemeClr val="lt1"/>
-        </a:fontRef>
-      </dsp:style>
-      <dsp:txBody>
-        <a:bodyPr spcFirstLastPara="0" vert="horz" wrap="square" lIns="0" tIns="0" rIns="0" bIns="0" numCol="1" spcCol="1270" anchor="ctr" anchorCtr="0">
-          <a:noAutofit/>
-        </a:bodyPr>
-        <a:lstStyle/>
-        <a:p>
-          <a:pPr lvl="0" algn="ctr" defTabSz="622300">
-            <a:lnSpc>
-              <a:spcPct val="90000"/>
-            </a:lnSpc>
-            <a:spcBef>
-              <a:spcPct val="0"/>
-            </a:spcBef>
-            <a:spcAft>
-              <a:spcPct val="35000"/>
-            </a:spcAft>
-          </a:pPr>
-          <a:endParaRPr lang="en-US" sz="1400" kern="1200"/>
-        </a:p>
-      </dsp:txBody>
-      <dsp:txXfrm>
-        <a:off x="5985851" y="1710733"/>
-        <a:ext cx="227581" cy="228194"/>
-      </dsp:txXfrm>
-    </dsp:sp>
-    <dsp:sp modelId="{AFACF62E-B10B-418B-8C3B-89A6C5A119F4}">
-      <dsp:nvSpPr>
-        <dsp:cNvPr id="0" name=""/>
-        <dsp:cNvSpPr/>
-      </dsp:nvSpPr>
-      <dsp:spPr>
-        <a:xfrm>
-          <a:off x="6445921" y="782485"/>
-          <a:ext cx="1533565" cy="2084690"/>
-        </a:xfrm>
-        <a:prstGeom prst="rect">
-          <a:avLst/>
-        </a:prstGeom>
-        <a:solidFill>
-          <a:schemeClr val="accent5">
-            <a:hueOff val="-1503703"/>
-            <a:satOff val="827"/>
-            <a:lumOff val="3971"/>
-            <a:alphaOff val="0"/>
-          </a:schemeClr>
-        </a:solidFill>
-        <a:ln w="25400" cap="rnd" cmpd="sng" algn="ctr">
-          <a:solidFill>
-            <a:schemeClr val="lt1">
-              <a:hueOff val="0"/>
-              <a:satOff val="0"/>
-              <a:lumOff val="0"/>
-              <a:alphaOff val="0"/>
-            </a:schemeClr>
-          </a:solidFill>
-          <a:prstDash val="solid"/>
-        </a:ln>
-        <a:effectLst/>
-      </dsp:spPr>
-      <dsp:style>
-        <a:lnRef idx="3">
-          <a:scrgbClr r="0" g="0" b="0"/>
-        </a:lnRef>
-        <a:fillRef idx="1">
-          <a:scrgbClr r="0" g="0" b="0"/>
-        </a:fillRef>
-        <a:effectRef idx="1">
-          <a:scrgbClr r="0" g="0" b="0"/>
-        </a:effectRef>
-        <a:fontRef idx="minor">
-          <a:schemeClr val="lt1"/>
-        </a:fontRef>
-      </dsp:style>
-      <dsp:txBody>
-        <a:bodyPr spcFirstLastPara="0" vert="horz" wrap="square" lIns="68580" tIns="68580" rIns="68580" bIns="68580" numCol="1" spcCol="1270" anchor="ctr" anchorCtr="0">
-          <a:noAutofit/>
-        </a:bodyPr>
-        <a:lstStyle/>
-        <a:p>
-          <a:pPr lvl="0" algn="ctr" defTabSz="800100">
-            <a:lnSpc>
-              <a:spcPct val="90000"/>
-            </a:lnSpc>
-            <a:spcBef>
-              <a:spcPct val="0"/>
-            </a:spcBef>
-            <a:spcAft>
-              <a:spcPct val="35000"/>
-            </a:spcAft>
-          </a:pPr>
-          <a:r>
-            <a:rPr lang="en-US" sz="1800" kern="1200" dirty="0" smtClean="0"/>
-            <a:t>Firmware</a:t>
-          </a:r>
-          <a:endParaRPr lang="en-US" sz="1800" kern="1200" dirty="0"/>
-        </a:p>
-      </dsp:txBody>
-      <dsp:txXfrm>
-        <a:off x="6445921" y="782485"/>
-        <a:ext cx="1533565" cy="2084690"/>
-      </dsp:txXfrm>
-    </dsp:sp>
-    <dsp:sp modelId="{59AE002B-F885-4893-A90E-3A097FBE177C}">
-      <dsp:nvSpPr>
-        <dsp:cNvPr id="0" name=""/>
-        <dsp:cNvSpPr/>
-      </dsp:nvSpPr>
-      <dsp:spPr>
-        <a:xfrm>
-          <a:off x="8132843" y="1634668"/>
-          <a:ext cx="325115" cy="380324"/>
-        </a:xfrm>
-        <a:prstGeom prst="rightArrow">
-          <a:avLst>
-            <a:gd name="adj1" fmla="val 60000"/>
-            <a:gd name="adj2" fmla="val 50000"/>
-          </a:avLst>
-        </a:prstGeom>
-        <a:solidFill>
-          <a:schemeClr val="accent5">
-            <a:hueOff val="-2004937"/>
-            <a:satOff val="1102"/>
-            <a:lumOff val="5294"/>
-            <a:alphaOff val="0"/>
-          </a:schemeClr>
-        </a:solidFill>
-        <a:ln>
-          <a:noFill/>
-        </a:ln>
-        <a:effectLst/>
-      </dsp:spPr>
-      <dsp:style>
-        <a:lnRef idx="0">
-          <a:scrgbClr r="0" g="0" b="0"/>
-        </a:lnRef>
-        <a:fillRef idx="1">
-          <a:scrgbClr r="0" g="0" b="0"/>
-        </a:fillRef>
-        <a:effectRef idx="1">
-          <a:scrgbClr r="0" g="0" b="0"/>
-        </a:effectRef>
-        <a:fontRef idx="minor">
-          <a:schemeClr val="lt1"/>
-        </a:fontRef>
-      </dsp:style>
-      <dsp:txBody>
-        <a:bodyPr spcFirstLastPara="0" vert="horz" wrap="square" lIns="0" tIns="0" rIns="0" bIns="0" numCol="1" spcCol="1270" anchor="ctr" anchorCtr="0">
-          <a:noAutofit/>
-        </a:bodyPr>
-        <a:lstStyle/>
-        <a:p>
-          <a:pPr lvl="0" algn="ctr" defTabSz="622300">
-            <a:lnSpc>
-              <a:spcPct val="90000"/>
-            </a:lnSpc>
-            <a:spcBef>
-              <a:spcPct val="0"/>
-            </a:spcBef>
-            <a:spcAft>
-              <a:spcPct val="35000"/>
-            </a:spcAft>
-          </a:pPr>
-          <a:endParaRPr lang="en-US" sz="1400" kern="1200"/>
-        </a:p>
-      </dsp:txBody>
-      <dsp:txXfrm>
-        <a:off x="8132843" y="1710733"/>
-        <a:ext cx="227581" cy="228194"/>
-      </dsp:txXfrm>
-    </dsp:sp>
-    <dsp:sp modelId="{19439814-EC85-4BF5-B739-E12D445ADA48}">
-      <dsp:nvSpPr>
-        <dsp:cNvPr id="0" name=""/>
-        <dsp:cNvSpPr/>
-      </dsp:nvSpPr>
-      <dsp:spPr>
-        <a:xfrm>
-          <a:off x="8592912" y="782485"/>
-          <a:ext cx="1533565" cy="2084690"/>
-        </a:xfrm>
-        <a:prstGeom prst="rect">
-          <a:avLst/>
-        </a:prstGeom>
-        <a:solidFill>
-          <a:schemeClr val="accent5">
-            <a:hueOff val="-2004937"/>
-            <a:satOff val="1102"/>
-            <a:lumOff val="5294"/>
-            <a:alphaOff val="0"/>
-          </a:schemeClr>
-        </a:solidFill>
-        <a:ln w="25400" cap="rnd" cmpd="sng" algn="ctr">
-          <a:solidFill>
-            <a:schemeClr val="lt1">
-              <a:hueOff val="0"/>
-              <a:satOff val="0"/>
-              <a:lumOff val="0"/>
-              <a:alphaOff val="0"/>
-            </a:schemeClr>
-          </a:solidFill>
-          <a:prstDash val="solid"/>
-        </a:ln>
-        <a:effectLst/>
-      </dsp:spPr>
-      <dsp:style>
-        <a:lnRef idx="3">
-          <a:scrgbClr r="0" g="0" b="0"/>
-        </a:lnRef>
-        <a:fillRef idx="1">
-          <a:scrgbClr r="0" g="0" b="0"/>
-        </a:fillRef>
-        <a:effectRef idx="1">
-          <a:scrgbClr r="0" g="0" b="0"/>
-        </a:effectRef>
-        <a:fontRef idx="minor">
-          <a:schemeClr val="lt1"/>
-        </a:fontRef>
-      </dsp:style>
-      <dsp:txBody>
-        <a:bodyPr spcFirstLastPara="0" vert="horz" wrap="square" lIns="68580" tIns="68580" rIns="68580" bIns="68580" numCol="1" spcCol="1270" anchor="ctr" anchorCtr="0">
-          <a:noAutofit/>
-        </a:bodyPr>
-        <a:lstStyle/>
-        <a:p>
-          <a:pPr lvl="0" algn="ctr" defTabSz="800100">
-            <a:lnSpc>
-              <a:spcPct val="90000"/>
-            </a:lnSpc>
-            <a:spcBef>
-              <a:spcPct val="0"/>
-            </a:spcBef>
-            <a:spcAft>
-              <a:spcPct val="35000"/>
-            </a:spcAft>
-          </a:pPr>
-          <a:r>
-            <a:rPr lang="en-US" sz="1800" kern="1200" dirty="0" smtClean="0"/>
-            <a:t>Printer</a:t>
-          </a:r>
-          <a:endParaRPr lang="en-US" sz="1800" kern="1200" dirty="0"/>
-        </a:p>
-      </dsp:txBody>
-      <dsp:txXfrm>
-        <a:off x="8592912" y="782485"/>
-        <a:ext cx="1533565" cy="2084690"/>
-      </dsp:txXfrm>
-    </dsp:sp>
   </dsp:spTree>
 </dsp:drawing>
 </file>
@@ -3834,7 +3108,7 @@
           <a:p>
             <a:fld id="{622E2779-886C-4B1E-A79E-46E2C96156BD}" type="datetimeFigureOut">
               <a:rPr lang="en-US" smtClean="0"/>
-              <a:t>8/16/2013</a:t>
+              <a:t>9/1/2013</a:t>
             </a:fld>
             <a:endParaRPr lang="en-US"/>
           </a:p>
@@ -4168,7 +3442,7 @@
           <a:p>
             <a:fld id="{622E2779-886C-4B1E-A79E-46E2C96156BD}" type="datetimeFigureOut">
               <a:rPr lang="en-US" smtClean="0"/>
-              <a:t>8/16/2013</a:t>
+              <a:t>9/1/2013</a:t>
             </a:fld>
             <a:endParaRPr lang="en-US"/>
           </a:p>
@@ -4446,7 +3720,7 @@
           <a:p>
             <a:fld id="{622E2779-886C-4B1E-A79E-46E2C96156BD}" type="datetimeFigureOut">
               <a:rPr lang="en-US" smtClean="0"/>
-              <a:t>8/16/2013</a:t>
+              <a:t>9/1/2013</a:t>
             </a:fld>
             <a:endParaRPr lang="en-US"/>
           </a:p>
@@ -5014,7 +4288,7 @@
           <a:p>
             <a:fld id="{622E2779-886C-4B1E-A79E-46E2C96156BD}" type="datetimeFigureOut">
               <a:rPr lang="en-US" smtClean="0"/>
-              <a:t>8/16/2013</a:t>
+              <a:t>9/1/2013</a:t>
             </a:fld>
             <a:endParaRPr lang="en-US"/>
           </a:p>
@@ -5292,7 +4566,7 @@
           <a:p>
             <a:fld id="{622E2779-886C-4B1E-A79E-46E2C96156BD}" type="datetimeFigureOut">
               <a:rPr lang="en-US" smtClean="0"/>
-              <a:t>8/16/2013</a:t>
+              <a:t>9/1/2013</a:t>
             </a:fld>
             <a:endParaRPr lang="en-US"/>
           </a:p>
@@ -5854,7 +5128,7 @@
           <a:p>
             <a:fld id="{622E2779-886C-4B1E-A79E-46E2C96156BD}" type="datetimeFigureOut">
               <a:rPr lang="en-US" smtClean="0"/>
-              <a:t>8/16/2013</a:t>
+              <a:t>9/1/2013</a:t>
             </a:fld>
             <a:endParaRPr lang="en-US"/>
           </a:p>
@@ -6181,7 +5455,7 @@
           <a:p>
             <a:fld id="{622E2779-886C-4B1E-A79E-46E2C96156BD}" type="datetimeFigureOut">
               <a:rPr lang="en-US" smtClean="0"/>
-              <a:t>8/16/2013</a:t>
+              <a:t>9/1/2013</a:t>
             </a:fld>
             <a:endParaRPr lang="en-US"/>
           </a:p>
@@ -6358,7 +5632,7 @@
           <a:p>
             <a:fld id="{622E2779-886C-4B1E-A79E-46E2C96156BD}" type="datetimeFigureOut">
               <a:rPr lang="en-US" smtClean="0"/>
-              <a:t>8/16/2013</a:t>
+              <a:t>9/1/2013</a:t>
             </a:fld>
             <a:endParaRPr lang="en-US"/>
           </a:p>
@@ -6596,7 +5870,7 @@
           <a:p>
             <a:fld id="{622E2779-886C-4B1E-A79E-46E2C96156BD}" type="datetimeFigureOut">
               <a:rPr lang="en-US" smtClean="0"/>
-              <a:t>8/16/2013</a:t>
+              <a:t>9/1/2013</a:t>
             </a:fld>
             <a:endParaRPr lang="en-US"/>
           </a:p>
@@ -6796,7 +6070,7 @@
           <a:p>
             <a:fld id="{622E2779-886C-4B1E-A79E-46E2C96156BD}" type="datetimeFigureOut">
               <a:rPr lang="en-US" smtClean="0"/>
-              <a:t>8/16/2013</a:t>
+              <a:t>9/1/2013</a:t>
             </a:fld>
             <a:endParaRPr lang="en-US"/>
           </a:p>
@@ -7072,7 +6346,7 @@
           <a:p>
             <a:fld id="{622E2779-886C-4B1E-A79E-46E2C96156BD}" type="datetimeFigureOut">
               <a:rPr lang="en-US" smtClean="0"/>
-              <a:t>8/16/2013</a:t>
+              <a:t>9/1/2013</a:t>
             </a:fld>
             <a:endParaRPr lang="en-US"/>
           </a:p>
@@ -7338,7 +6612,7 @@
           <a:p>
             <a:fld id="{622E2779-886C-4B1E-A79E-46E2C96156BD}" type="datetimeFigureOut">
               <a:rPr lang="en-US" smtClean="0"/>
-              <a:t>8/16/2013</a:t>
+              <a:t>9/1/2013</a:t>
             </a:fld>
             <a:endParaRPr lang="en-US"/>
           </a:p>
@@ -7712,7 +6986,7 @@
           <a:p>
             <a:fld id="{622E2779-886C-4B1E-A79E-46E2C96156BD}" type="datetimeFigureOut">
               <a:rPr lang="en-US" smtClean="0"/>
-              <a:t>8/16/2013</a:t>
+              <a:t>9/1/2013</a:t>
             </a:fld>
             <a:endParaRPr lang="en-US"/>
           </a:p>
@@ -7860,7 +7134,7 @@
           <a:p>
             <a:fld id="{622E2779-886C-4B1E-A79E-46E2C96156BD}" type="datetimeFigureOut">
               <a:rPr lang="en-US" smtClean="0"/>
-              <a:t>8/16/2013</a:t>
+              <a:t>9/1/2013</a:t>
             </a:fld>
             <a:endParaRPr lang="en-US"/>
           </a:p>
@@ -7985,7 +7259,7 @@
           <a:p>
             <a:fld id="{622E2779-886C-4B1E-A79E-46E2C96156BD}" type="datetimeFigureOut">
               <a:rPr lang="en-US" smtClean="0"/>
-              <a:t>8/16/2013</a:t>
+              <a:t>9/1/2013</a:t>
             </a:fld>
             <a:endParaRPr lang="en-US"/>
           </a:p>
@@ -8270,7 +7544,7 @@
           <a:p>
             <a:fld id="{622E2779-886C-4B1E-A79E-46E2C96156BD}" type="datetimeFigureOut">
               <a:rPr lang="en-US" smtClean="0"/>
-              <a:t>8/16/2013</a:t>
+              <a:t>9/1/2013</a:t>
             </a:fld>
             <a:endParaRPr lang="en-US"/>
           </a:p>
@@ -8594,7 +7868,7 @@
           <a:p>
             <a:fld id="{622E2779-886C-4B1E-A79E-46E2C96156BD}" type="datetimeFigureOut">
               <a:rPr lang="en-US" smtClean="0"/>
-              <a:t>8/16/2013</a:t>
+              <a:t>9/1/2013</a:t>
             </a:fld>
             <a:endParaRPr lang="en-US"/>
           </a:p>
@@ -8808,7 +8082,7 @@
           <a:p>
             <a:fld id="{622E2779-886C-4B1E-A79E-46E2C96156BD}" type="datetimeFigureOut">
               <a:rPr lang="en-US" smtClean="0"/>
-              <a:t>8/16/2013</a:t>
+              <a:t>9/1/2013</a:t>
             </a:fld>
             <a:endParaRPr lang="en-US"/>
           </a:p>
@@ -9361,11 +8635,7 @@
           <a:p>
             <a:r>
               <a:rPr lang="en-US" dirty="0" smtClean="0"/>
-              <a:t>At </a:t>
-            </a:r>
-            <a:r>
-              <a:rPr lang="en-US" dirty="0" smtClean="0"/>
-              <a:t>Home Manufacturing</a:t>
+              <a:t>At Home Manufacturing</a:t>
             </a:r>
           </a:p>
         </p:txBody>
@@ -9424,41 +8694,39 @@
           <a:p>
             <a:r>
               <a:rPr lang="en-US" dirty="0" smtClean="0"/>
-              <a:t>Software chain</a:t>
+              <a:t>Different types of robotic</a:t>
+            </a:r>
+            <a:r>
+              <a:rPr lang="en-US" baseline="0" dirty="0" smtClean="0"/>
+              <a:t> solutions</a:t>
             </a:r>
             <a:endParaRPr lang="en-US" dirty="0"/>
           </a:p>
         </p:txBody>
       </p:sp>
-      <p:graphicFrame>
-        <p:nvGraphicFramePr>
-          <p:cNvPr id="4" name="Content Placeholder 3"/>
-          <p:cNvGraphicFramePr>
-            <a:graphicFrameLocks noGrp="1"/>
-          </p:cNvGraphicFramePr>
+      <p:sp>
+        <p:nvSpPr>
+          <p:cNvPr id="3" name="Content Placeholder 2"/>
+          <p:cNvSpPr>
+            <a:spLocks noGrp="1"/>
+          </p:cNvSpPr>
           <p:nvPr>
             <p:ph idx="1"/>
-            <p:extLst>
-              <p:ext uri="{D42A27DB-BD31-4B8C-83A1-F6EECF244321}">
-                <p14:modId xmlns:p14="http://schemas.microsoft.com/office/powerpoint/2010/main" val="627851605"/>
-              </p:ext>
-            </p:extLst>
-          </p:nvPr>
-        </p:nvGraphicFramePr>
-        <p:xfrm>
-          <a:off x="685800" y="2141538"/>
-          <a:ext cx="10131425" cy="3649662"/>
-        </p:xfrm>
-        <a:graphic>
-          <a:graphicData uri="http://schemas.openxmlformats.org/drawingml/2006/diagram">
-            <dgm:relIds xmlns:dgm="http://schemas.openxmlformats.org/drawingml/2006/diagram" xmlns:r="http://schemas.openxmlformats.org/officeDocument/2006/relationships" r:dm="rId2" r:lo="rId3" r:qs="rId4" r:cs="rId5"/>
-          </a:graphicData>
-        </a:graphic>
-      </p:graphicFrame>
+          </p:nvPr>
+        </p:nvSpPr>
+        <p:spPr/>
+        <p:txBody>
+          <a:bodyPr/>
+          <a:lstStyle/>
+          <a:p>
+            <a:endParaRPr lang="en-US"/>
+          </a:p>
+        </p:txBody>
+      </p:sp>
     </p:spTree>
     <p:extLst>
       <p:ext uri="{BB962C8B-B14F-4D97-AF65-F5344CB8AC3E}">
-        <p14:creationId xmlns:p14="http://schemas.microsoft.com/office/powerpoint/2010/main" val="478473681"/>
+        <p14:creationId xmlns:p14="http://schemas.microsoft.com/office/powerpoint/2010/main" val="978948681"/>
       </p:ext>
     </p:extLst>
   </p:cSld>
@@ -9509,89 +8777,6 @@
           <a:p>
             <a:r>
               <a:rPr lang="en-US" dirty="0" smtClean="0"/>
-              <a:t>Different types of robotic</a:t>
-            </a:r>
-            <a:r>
-              <a:rPr lang="en-US" baseline="0" dirty="0" smtClean="0"/>
-              <a:t> solutions</a:t>
-            </a:r>
-            <a:endParaRPr lang="en-US" dirty="0"/>
-          </a:p>
-        </p:txBody>
-      </p:sp>
-      <p:sp>
-        <p:nvSpPr>
-          <p:cNvPr id="3" name="Content Placeholder 2"/>
-          <p:cNvSpPr>
-            <a:spLocks noGrp="1"/>
-          </p:cNvSpPr>
-          <p:nvPr>
-            <p:ph idx="1"/>
-          </p:nvPr>
-        </p:nvSpPr>
-        <p:spPr/>
-        <p:txBody>
-          <a:bodyPr/>
-          <a:lstStyle/>
-          <a:p>
-            <a:endParaRPr lang="en-US"/>
-          </a:p>
-        </p:txBody>
-      </p:sp>
-    </p:spTree>
-    <p:extLst>
-      <p:ext uri="{BB962C8B-B14F-4D97-AF65-F5344CB8AC3E}">
-        <p14:creationId xmlns:p14="http://schemas.microsoft.com/office/powerpoint/2010/main" val="978948681"/>
-      </p:ext>
-    </p:extLst>
-  </p:cSld>
-  <p:clrMapOvr>
-    <a:masterClrMapping/>
-  </p:clrMapOvr>
-  <p:timing>
-    <p:tnLst>
-      <p:par>
-        <p:cTn id="1" dur="indefinite" restart="never" nodeType="tmRoot"/>
-      </p:par>
-    </p:tnLst>
-  </p:timing>
-</p:sld>
-</file>
-
-<file path=ppt/slides/slide12.xml><?xml version="1.0" encoding="utf-8"?>
-<p:sld xmlns:a="http://schemas.openxmlformats.org/drawingml/2006/main" xmlns:r="http://schemas.openxmlformats.org/officeDocument/2006/relationships" xmlns:p="http://schemas.openxmlformats.org/presentationml/2006/main">
-  <p:cSld>
-    <p:spTree>
-      <p:nvGrpSpPr>
-        <p:cNvPr id="1" name=""/>
-        <p:cNvGrpSpPr/>
-        <p:nvPr/>
-      </p:nvGrpSpPr>
-      <p:grpSpPr>
-        <a:xfrm>
-          <a:off x="0" y="0"/>
-          <a:ext cx="0" cy="0"/>
-          <a:chOff x="0" y="0"/>
-          <a:chExt cx="0" cy="0"/>
-        </a:xfrm>
-      </p:grpSpPr>
-      <p:sp>
-        <p:nvSpPr>
-          <p:cNvPr id="2" name="Title 1"/>
-          <p:cNvSpPr>
-            <a:spLocks noGrp="1"/>
-          </p:cNvSpPr>
-          <p:nvPr>
-            <p:ph type="title"/>
-          </p:nvPr>
-        </p:nvSpPr>
-        <p:spPr/>
-        <p:txBody>
-          <a:bodyPr/>
-          <a:lstStyle/>
-          <a:p>
-            <a:r>
-              <a:rPr lang="en-US" dirty="0" smtClean="0"/>
               <a:t>Different methods being</a:t>
             </a:r>
             <a:r>
@@ -9641,7 +8826,7 @@
 </p:sld>
 </file>
 
-<file path=ppt/slides/slide13.xml><?xml version="1.0" encoding="utf-8"?>
+<file path=ppt/slides/slide12.xml><?xml version="1.0" encoding="utf-8"?>
 <p:sld xmlns:a="http://schemas.openxmlformats.org/drawingml/2006/main" xmlns:r="http://schemas.openxmlformats.org/officeDocument/2006/relationships" xmlns:p="http://schemas.openxmlformats.org/presentationml/2006/main">
   <p:cSld>
     <p:spTree>
@@ -9790,11 +8975,7 @@
           <a:p>
             <a:r>
               <a:rPr lang="en-US" dirty="0" smtClean="0"/>
-              <a:t>What</a:t>
-            </a:r>
-            <a:r>
-              <a:rPr lang="en-US" baseline="0" dirty="0" smtClean="0"/>
-              <a:t> it is</a:t>
+              <a:t>How it works</a:t>
             </a:r>
             <a:endParaRPr lang="en-US" dirty="0"/>
           </a:p>
@@ -9815,7 +8996,31 @@
           <a:bodyPr/>
           <a:lstStyle/>
           <a:p>
-            <a:endParaRPr lang="en-US"/>
+            <a:r>
+              <a:rPr lang="en-US" dirty="0" smtClean="0"/>
+              <a:t>Additive Manufacturing</a:t>
+            </a:r>
+          </a:p>
+          <a:p>
+            <a:r>
+              <a:rPr lang="en-US" dirty="0" smtClean="0"/>
+              <a:t>Layer deposition method</a:t>
+            </a:r>
+          </a:p>
+          <a:p>
+            <a:r>
+              <a:rPr lang="en-US" dirty="0" smtClean="0"/>
+              <a:t>First use in 1982 by</a:t>
+            </a:r>
+            <a:r>
+              <a:rPr lang="en-US" dirty="0" smtClean="0"/>
+              <a:t> </a:t>
+            </a:r>
+            <a:r>
+              <a:rPr lang="en-US" dirty="0"/>
+              <a:t>Hideo Kodama of Nagoya Municipal Industrial Research Institute</a:t>
+            </a:r>
+            <a:endParaRPr lang="en-US" dirty="0"/>
           </a:p>
         </p:txBody>
       </p:sp>
@@ -9873,7 +9078,11 @@
           <a:p>
             <a:r>
               <a:rPr lang="en-US" dirty="0" smtClean="0"/>
-              <a:t>how it works</a:t>
+              <a:t>How</a:t>
+            </a:r>
+            <a:r>
+              <a:rPr lang="en-US" baseline="0" dirty="0" smtClean="0"/>
+              <a:t> long it’s been around</a:t>
             </a:r>
             <a:endParaRPr lang="en-US" dirty="0"/>
           </a:p>
@@ -9901,7 +9110,7 @@
     </p:spTree>
     <p:extLst>
       <p:ext uri="{BB962C8B-B14F-4D97-AF65-F5344CB8AC3E}">
-        <p14:creationId xmlns:p14="http://schemas.microsoft.com/office/powerpoint/2010/main" val="3382812792"/>
+        <p14:creationId xmlns:p14="http://schemas.microsoft.com/office/powerpoint/2010/main" val="874161438"/>
       </p:ext>
     </p:extLst>
   </p:cSld>
@@ -9952,11 +9161,7 @@
           <a:p>
             <a:r>
               <a:rPr lang="en-US" dirty="0" smtClean="0"/>
-              <a:t>How</a:t>
-            </a:r>
-            <a:r>
-              <a:rPr lang="en-US" baseline="0" dirty="0" smtClean="0"/>
-              <a:t> long it’s been around</a:t>
+              <a:t>Different methods</a:t>
             </a:r>
             <a:endParaRPr lang="en-US" dirty="0"/>
           </a:p>
@@ -9984,7 +9189,7 @@
     </p:spTree>
     <p:extLst>
       <p:ext uri="{BB962C8B-B14F-4D97-AF65-F5344CB8AC3E}">
-        <p14:creationId xmlns:p14="http://schemas.microsoft.com/office/powerpoint/2010/main" val="874161438"/>
+        <p14:creationId xmlns:p14="http://schemas.microsoft.com/office/powerpoint/2010/main" val="1739664502"/>
       </p:ext>
     </p:extLst>
   </p:cSld>
@@ -10035,7 +9240,7 @@
           <a:p>
             <a:r>
               <a:rPr lang="en-US" dirty="0" smtClean="0"/>
-              <a:t>Different methods</a:t>
+              <a:t>Advantages</a:t>
             </a:r>
             <a:endParaRPr lang="en-US" dirty="0"/>
           </a:p>
@@ -10063,7 +9268,7 @@
     </p:spTree>
     <p:extLst>
       <p:ext uri="{BB962C8B-B14F-4D97-AF65-F5344CB8AC3E}">
-        <p14:creationId xmlns:p14="http://schemas.microsoft.com/office/powerpoint/2010/main" val="1739664502"/>
+        <p14:creationId xmlns:p14="http://schemas.microsoft.com/office/powerpoint/2010/main" val="943115822"/>
       </p:ext>
     </p:extLst>
   </p:cSld>
@@ -10114,7 +9319,7 @@
           <a:p>
             <a:r>
               <a:rPr lang="en-US" dirty="0" smtClean="0"/>
-              <a:t>Advantages</a:t>
+              <a:t>Disadvantages</a:t>
             </a:r>
             <a:endParaRPr lang="en-US" dirty="0"/>
           </a:p>
@@ -10142,7 +9347,7 @@
     </p:spTree>
     <p:extLst>
       <p:ext uri="{BB962C8B-B14F-4D97-AF65-F5344CB8AC3E}">
-        <p14:creationId xmlns:p14="http://schemas.microsoft.com/office/powerpoint/2010/main" val="943115822"/>
+        <p14:creationId xmlns:p14="http://schemas.microsoft.com/office/powerpoint/2010/main" val="1276207080"/>
       </p:ext>
     </p:extLst>
   </p:cSld>
@@ -10192,8 +9397,12 @@
           <a:lstStyle/>
           <a:p>
             <a:r>
+              <a:rPr lang="en-US" dirty="0" err="1" smtClean="0"/>
+              <a:t>Diy</a:t>
+            </a:r>
+            <a:r>
               <a:rPr lang="en-US" dirty="0" smtClean="0"/>
-              <a:t>Disadvantages</a:t>
+              <a:t> / open source</a:t>
             </a:r>
             <a:endParaRPr lang="en-US" dirty="0"/>
           </a:p>
@@ -10214,14 +9423,14 @@
           <a:bodyPr/>
           <a:lstStyle/>
           <a:p>
-            <a:endParaRPr lang="en-US"/>
+            <a:endParaRPr lang="en-US" dirty="0"/>
           </a:p>
         </p:txBody>
       </p:sp>
     </p:spTree>
     <p:extLst>
       <p:ext uri="{BB962C8B-B14F-4D97-AF65-F5344CB8AC3E}">
-        <p14:creationId xmlns:p14="http://schemas.microsoft.com/office/powerpoint/2010/main" val="1276207080"/>
+        <p14:creationId xmlns:p14="http://schemas.microsoft.com/office/powerpoint/2010/main" val="3842944784"/>
       </p:ext>
     </p:extLst>
   </p:cSld>
@@ -10272,11 +9481,7 @@
           <a:p>
             <a:r>
               <a:rPr lang="en-US" dirty="0" err="1" smtClean="0"/>
-              <a:t>Diy</a:t>
-            </a:r>
-            <a:r>
-              <a:rPr lang="en-US" dirty="0" smtClean="0"/>
-              <a:t> / open source</a:t>
+              <a:t>Reprap</a:t>
             </a:r>
             <a:endParaRPr lang="en-US" dirty="0"/>
           </a:p>
@@ -10297,14 +9502,14 @@
           <a:bodyPr/>
           <a:lstStyle/>
           <a:p>
-            <a:endParaRPr lang="en-US" dirty="0"/>
+            <a:endParaRPr lang="en-US"/>
           </a:p>
         </p:txBody>
       </p:sp>
     </p:spTree>
     <p:extLst>
       <p:ext uri="{BB962C8B-B14F-4D97-AF65-F5344CB8AC3E}">
-        <p14:creationId xmlns:p14="http://schemas.microsoft.com/office/powerpoint/2010/main" val="3842944784"/>
+        <p14:creationId xmlns:p14="http://schemas.microsoft.com/office/powerpoint/2010/main" val="3910768190"/>
       </p:ext>
     </p:extLst>
   </p:cSld>
@@ -10354,36 +9559,42 @@
           <a:lstStyle/>
           <a:p>
             <a:r>
-              <a:rPr lang="en-US" dirty="0" err="1" smtClean="0"/>
-              <a:t>Reprap</a:t>
+              <a:rPr lang="en-US" dirty="0" smtClean="0"/>
+              <a:t>Software chain</a:t>
             </a:r>
             <a:endParaRPr lang="en-US" dirty="0"/>
           </a:p>
         </p:txBody>
       </p:sp>
-      <p:sp>
-        <p:nvSpPr>
-          <p:cNvPr id="3" name="Content Placeholder 2"/>
-          <p:cNvSpPr>
-            <a:spLocks noGrp="1"/>
-          </p:cNvSpPr>
+      <p:graphicFrame>
+        <p:nvGraphicFramePr>
+          <p:cNvPr id="4" name="Content Placeholder 3"/>
+          <p:cNvGraphicFramePr>
+            <a:graphicFrameLocks noGrp="1"/>
+          </p:cNvGraphicFramePr>
           <p:nvPr>
             <p:ph idx="1"/>
-          </p:nvPr>
-        </p:nvSpPr>
-        <p:spPr/>
-        <p:txBody>
-          <a:bodyPr/>
-          <a:lstStyle/>
-          <a:p>
-            <a:endParaRPr lang="en-US"/>
-          </a:p>
-        </p:txBody>
-      </p:sp>
+            <p:extLst>
+              <p:ext uri="{D42A27DB-BD31-4B8C-83A1-F6EECF244321}">
+                <p14:modId xmlns:p14="http://schemas.microsoft.com/office/powerpoint/2010/main" val="627851605"/>
+              </p:ext>
+            </p:extLst>
+          </p:nvPr>
+        </p:nvGraphicFramePr>
+        <p:xfrm>
+          <a:off x="685800" y="2141538"/>
+          <a:ext cx="10131425" cy="3649662"/>
+        </p:xfrm>
+        <a:graphic>
+          <a:graphicData uri="http://schemas.openxmlformats.org/drawingml/2006/diagram">
+            <dgm:relIds xmlns:dgm="http://schemas.openxmlformats.org/drawingml/2006/diagram" xmlns:r="http://schemas.openxmlformats.org/officeDocument/2006/relationships" r:dm="rId2" r:lo="rId3" r:qs="rId4" r:cs="rId5"/>
+          </a:graphicData>
+        </a:graphic>
+      </p:graphicFrame>
     </p:spTree>
     <p:extLst>
       <p:ext uri="{BB962C8B-B14F-4D97-AF65-F5344CB8AC3E}">
-        <p14:creationId xmlns:p14="http://schemas.microsoft.com/office/powerpoint/2010/main" val="3910768190"/>
+        <p14:creationId xmlns:p14="http://schemas.microsoft.com/office/powerpoint/2010/main" val="478473681"/>
       </p:ext>
     </p:extLst>
   </p:cSld>
